--- a/Poster_J_EGC.pptx
+++ b/Poster_J_EGC.pptx
@@ -1761,7 +1761,7 @@
           <a:p>
             <a:fld id="{985D6BDF-9D0E-4E2B-85B8-D8F4790360C9}" type="datetimeFigureOut">
               <a:rPr lang="en-US" smtClean="0"/>
-              <a:t>11/30/2024</a:t>
+              <a:t>12/2/2024</a:t>
             </a:fld>
             <a:endParaRPr lang="en-US" dirty="0"/>
           </a:p>
@@ -1972,7 +1972,7 @@
           <a:p>
             <a:fld id="{985D6BDF-9D0E-4E2B-85B8-D8F4790360C9}" type="datetimeFigureOut">
               <a:rPr lang="en-US" smtClean="0"/>
-              <a:t>11/30/2024</a:t>
+              <a:t>12/2/2024</a:t>
             </a:fld>
             <a:endParaRPr lang="en-US" dirty="0"/>
           </a:p>
@@ -2883,8 +2883,8 @@
         </p:nvSpPr>
         <p:spPr>
           <a:xfrm>
-            <a:off x="10799762" y="30942554"/>
-            <a:ext cx="8639810" cy="954290"/>
+            <a:off x="10804022" y="30210802"/>
+            <a:ext cx="8639810" cy="2078690"/>
           </a:xfrm>
           <a:prstGeom prst="rect">
             <a:avLst/>
@@ -2953,12 +2953,41 @@
               <a:buAutoNum type="arabicPeriod"/>
             </a:pPr>
             <a:r>
+              <a:rPr lang="en-US" sz="1400" dirty="0"/>
+              <a:t>González-Espinoza, A., Martínez-</a:t>
+            </a:r>
+            <a:r>
               <a:rPr lang="en-US" sz="1400" dirty="0" err="1"/>
-              <a:t>Strogatz</a:t>
+              <a:t>Mekler</a:t>
             </a:r>
             <a:r>
               <a:rPr lang="en-US" sz="1400" dirty="0"/>
-              <a:t>, S. H. (2015). Nonlinear dynamics and chaos: With applications to physics, biology, chemistry, and engineering (2nd ed.). Boulder, CO: Westview Press.</a:t>
+              <a:t>, G., &amp; </a:t>
+            </a:r>
+            <a:r>
+              <a:rPr lang="en-US" sz="1400" dirty="0" err="1"/>
+              <a:t>Lacasa</a:t>
+            </a:r>
+            <a:r>
+              <a:rPr lang="en-US" sz="1400" dirty="0"/>
+              <a:t>, L. (2020). Arrow of time across five centuries of classical music. Physical Review Research, 2(3). </a:t>
+            </a:r>
+            <a:r>
+              <a:rPr lang="en-US" sz="1400" dirty="0">
+                <a:hlinkClick r:id="rId2"/>
+              </a:rPr>
+              <a:t>https://doi.org/10.1103/physrevresearch.2.033166</a:t>
+            </a:r>
+            <a:endParaRPr lang="en-US" sz="1400" dirty="0"/>
+          </a:p>
+          <a:p>
+            <a:pPr marL="323941" indent="-323941">
+              <a:buFont typeface="+mj-lt"/>
+              <a:buAutoNum type="arabicPeriod"/>
+            </a:pPr>
+            <a:r>
+              <a:rPr lang="en-US" sz="1400" dirty="0"/>
+              <a:t>Li, F. (2008). Effects of noise on periodic orbits of the logistic map. Open Physics, 6(3), 539-545. https://doi.org/10.2478/s11534-008-0089-y</a:t>
             </a:r>
           </a:p>
         </p:txBody>
@@ -2971,7 +3000,7 @@
         </p:nvSpPr>
         <p:spPr>
           <a:xfrm>
-            <a:off x="10897610" y="30220444"/>
+            <a:off x="10897610" y="29539360"/>
             <a:ext cx="2416752" cy="681084"/>
           </a:xfrm>
           <a:prstGeom prst="rect">
@@ -3051,7 +3080,7 @@
           <p:nvPr/>
         </p:nvPicPr>
         <p:blipFill>
-          <a:blip r:embed="rId2">
+          <a:blip r:embed="rId3">
             <a:extLst>
               <a:ext uri="{28A0092B-C50C-407E-A947-70E740481C1C}">
                 <a14:useLocalDpi xmlns:a14="http://schemas.microsoft.com/office/drawing/2010/main" val="0"/>
@@ -3142,7 +3171,7 @@
           <p:nvPr/>
         </p:nvPicPr>
         <p:blipFill>
-          <a:blip r:embed="rId3">
+          <a:blip r:embed="rId4">
             <a:extLst>
               <a:ext uri="{28A0092B-C50C-407E-A947-70E740481C1C}">
                 <a14:useLocalDpi xmlns:a14="http://schemas.microsoft.com/office/drawing/2010/main" val="0"/>
@@ -3193,7 +3222,7 @@
             <p:spPr bwMode="auto">
               <a:xfrm>
                 <a:off x="1203051" y="4939100"/>
-                <a:ext cx="9428162" cy="6344494"/>
+                <a:ext cx="9428162" cy="7452489"/>
               </a:xfrm>
               <a:prstGeom prst="rect">
                 <a:avLst/>
@@ -3318,7 +3347,7 @@
                   <a:rPr lang="es-MX" sz="2400" dirty="0">
                     <a:latin typeface="Calibri" pitchFamily="34" charset="0"/>
                   </a:rPr>
-                  <a:t>La investigación se centra en el análisis, a lo largo del tiempo, de partituras de música clásica anteriores al periodo contemporáneo, con énfasis en propiedades como el grado de determinismo, irregularidad y no linealidad en las series. En estudios previos, se ha estado estableciendo la presencia de una narrativa en la mayoría de cerca de 8,500 composiciones analizadas. </a:t>
+                  <a:t>La investigación se centra en el análisis, a lo largo del tiempo, de partituras de música clásica anteriores al periodo contemporáneo, con énfasis en propiedades como el grado de determinismo, irregularidad y no linealidad en las series. En estudios previos, se ha estudiado la presencia de una narrativa en la mayoría de cerca de 8,500 composiciones analizadas. </a:t>
                 </a:r>
               </a:p>
               <a:p>
@@ -3327,7 +3356,67 @@
                   <a:rPr lang="es-MX" sz="2400" dirty="0">
                     <a:latin typeface="Calibri" pitchFamily="34" charset="0"/>
                   </a:rPr>
-                  <a:t>En esta investigación, se trabaja sobre el índice J [1], que está basado en las fases de Fourier y diseñado para identificar signos de determinismo no lineales y diferenciar entre irregularidades de tipo determinista como el caos y comportamiento aleatorio. </a:t>
+                  <a:t>En esta investigación, se trabaja sobre el índice J [1], que está basado en las fases de Fourier y diseñado para identificar signos de determinismo, no linealidad y diferenciar entre irregularidades de tipo determinista como el caos y comportamiento aleatorio. J se define a través de cambios de dirección (ángulos </a:t>
+                </a:r>
+                <a14:m>
+                  <m:oMath xmlns:m="http://schemas.openxmlformats.org/officeDocument/2006/math">
+                    <m:r>
+                      <a:rPr lang="es-MX" sz="2400" b="0" i="1" smtClean="0">
+                        <a:latin typeface="Cambria Math" panose="02040503050406030204" pitchFamily="18" charset="0"/>
+                      </a:rPr>
+                      <m:t>𝛼</m:t>
+                    </m:r>
+                  </m:oMath>
+                </a14:m>
+                <a:r>
+                  <a:rPr lang="es-MX" sz="2400" dirty="0">
+                    <a:latin typeface="Calibri" pitchFamily="34" charset="0"/>
+                  </a:rPr>
+                  <a:t>) a lo largo de trayectorias definidas por los datos en el espacio de las fases de Fourier. Puesto que </a:t>
+                </a:r>
+                <a14:m>
+                  <m:oMath xmlns:m="http://schemas.openxmlformats.org/officeDocument/2006/math">
+                    <m:r>
+                      <a:rPr lang="es-MX" sz="2400" b="0" i="1" smtClean="0">
+                        <a:latin typeface="Cambria Math" panose="02040503050406030204" pitchFamily="18" charset="0"/>
+                      </a:rPr>
+                      <m:t>𝛼</m:t>
+                    </m:r>
+                  </m:oMath>
+                </a14:m>
+                <a:r>
+                  <a:rPr lang="es-MX" sz="2400" dirty="0">
+                    <a:latin typeface="Calibri" pitchFamily="34" charset="0"/>
+                  </a:rPr>
+                  <a:t> </a:t>
+                </a:r>
+                <a:r>
+                  <a:rPr lang="es-MX" sz="2400">
+                    <a:latin typeface="Calibri" pitchFamily="34" charset="0"/>
+                  </a:rPr>
+                  <a:t>varía </a:t>
+                </a:r>
+                <a:r>
+                  <a:rPr lang="es-MX" sz="2400" dirty="0">
+                    <a:latin typeface="Calibri" pitchFamily="34" charset="0"/>
+                  </a:rPr>
+                  <a:t>entre 0 y 2</a:t>
+                </a:r>
+                <a14:m>
+                  <m:oMath xmlns:m="http://schemas.openxmlformats.org/officeDocument/2006/math">
+                    <m:r>
+                      <a:rPr lang="es-MX" sz="2400" b="0" i="1" smtClean="0">
+                        <a:latin typeface="Cambria Math" panose="02040503050406030204" pitchFamily="18" charset="0"/>
+                      </a:rPr>
+                      <m:t>𝜋</m:t>
+                    </m:r>
+                  </m:oMath>
+                </a14:m>
+                <a:r>
+                  <a:rPr lang="es-MX" sz="2400" dirty="0">
+                    <a:latin typeface="Calibri" pitchFamily="34" charset="0"/>
+                  </a:rPr>
+                  <a:t>, las trayectorias se encuentran en la superficie de un toro.</a:t>
                 </a:r>
               </a:p>
               <a:p>
@@ -3514,7 +3603,7 @@
                   <a:rPr lang="es-MX" sz="2400" dirty="0">
                     <a:latin typeface="Calibri" pitchFamily="34" charset="0"/>
                   </a:rPr>
-                  <a:t>Este índice toma valores entre cero, que representa un ángulo de desviación constante, y uno, que representa una trayectoria completamente aleatoria. </a:t>
+                  <a:t>Este índice toma valores entre cero, que representa un ángulo de desviación constante, y uno, que representa una trayectoria completamente aleatoria. J es robusta ante la presencia de ruido.</a:t>
                 </a:r>
               </a:p>
             </p:txBody>
@@ -3538,13 +3627,13 @@
             <p:spPr bwMode="auto">
               <a:xfrm>
                 <a:off x="1203051" y="4939100"/>
-                <a:ext cx="9428162" cy="6344494"/>
+                <a:ext cx="9428162" cy="7452489"/>
               </a:xfrm>
               <a:prstGeom prst="rect">
                 <a:avLst/>
               </a:prstGeom>
               <a:blipFill>
-                <a:blip r:embed="rId4"/>
+                <a:blip r:embed="rId5"/>
                 <a:stretch>
                   <a:fillRect/>
                 </a:stretch>
@@ -3650,14 +3739,14 @@
           <p:nvPr/>
         </p:nvPicPr>
         <p:blipFill>
-          <a:blip r:embed="rId5"/>
+          <a:blip r:embed="rId6"/>
           <a:stretch>
             <a:fillRect/>
           </a:stretch>
         </p:blipFill>
         <p:spPr>
           <a:xfrm>
-            <a:off x="2482136" y="11322844"/>
+            <a:off x="2390249" y="12410380"/>
             <a:ext cx="6717426" cy="5343138"/>
           </a:xfrm>
           <a:prstGeom prst="rect">
@@ -3679,7 +3768,7 @@
         </p:nvSpPr>
         <p:spPr>
           <a:xfrm>
-            <a:off x="4933005" y="12825163"/>
+            <a:off x="4791590" y="13754752"/>
             <a:ext cx="3656956" cy="2057400"/>
           </a:xfrm>
           <a:prstGeom prst="rect">
@@ -3716,7 +3805,7 @@
                 <a:latin typeface="+mj-lt"/>
                 <a:ea typeface="Times New Roman" panose="02020603050405020304" pitchFamily="18" charset="0"/>
               </a:rPr>
-              <a:t>Va</a:t>
+              <a:t>Curva  universal de detección de componentes deterministas.. Va</a:t>
             </a:r>
             <a:r>
               <a:rPr lang="es-US" sz="2400" dirty="0">
@@ -3727,7 +3816,28 @@
                 <a:latin typeface="+mj-lt"/>
                 <a:ea typeface="Times New Roman" panose="02020603050405020304" pitchFamily="18" charset="0"/>
               </a:rPr>
-              <a:t>lores J que se encuentren por debajo de la curva mínima son indicadores promisorios de determinismo.</a:t>
+              <a:t>lor</a:t>
+            </a:r>
+            <a:r>
+              <a:rPr lang="es-US" sz="2400" dirty="0">
+                <a:solidFill>
+                  <a:schemeClr val="tx1"/>
+                </a:solidFill>
+                <a:latin typeface="+mj-lt"/>
+                <a:ea typeface="Times New Roman" panose="02020603050405020304" pitchFamily="18" charset="0"/>
+              </a:rPr>
+              <a:t>es </a:t>
+            </a:r>
+            <a:r>
+              <a:rPr lang="es-US" sz="2400" dirty="0">
+                <a:solidFill>
+                  <a:schemeClr val="tx1"/>
+                </a:solidFill>
+                <a:effectLst/>
+                <a:latin typeface="+mj-lt"/>
+                <a:ea typeface="Times New Roman" panose="02020603050405020304" pitchFamily="18" charset="0"/>
+              </a:rPr>
+              <a:t>por debajo de la curva mínima son indicadores promisorios de determinismo.</a:t>
             </a:r>
             <a:endParaRPr lang="es-MX" sz="2400" dirty="0">
               <a:solidFill>
@@ -3756,8 +3866,8 @@
             </p:nvSpPr>
             <p:spPr bwMode="auto">
               <a:xfrm>
-                <a:off x="1219200" y="17495044"/>
-                <a:ext cx="9428162" cy="3693319"/>
+                <a:off x="1219200" y="18819257"/>
+                <a:ext cx="9428162" cy="3323987"/>
               </a:xfrm>
               <a:prstGeom prst="rect">
                 <a:avLst/>
@@ -3882,7 +3992,7 @@
                   <a:rPr lang="es-MX" sz="2400" dirty="0">
                     <a:latin typeface="Calibri" pitchFamily="34" charset="0"/>
                   </a:rPr>
-                  <a:t>Sin embargo, el desafío radica en que en esas partituras, el valor de los datos musicales es discreto y son series de tamaño limitado, lo que complica el análisis. Para abordar estas limitaciones, se exploraron los efectos de diferentes técnicas de interpolación. Como referencia, se utilizó el mapeo logístico, donde se emplearon interpolaciones deterministas como de </a:t>
+                  <a:t>El calculo de la J se ha realizado para para datos continuos, puesto que en las partituras los datos son discretos, su determinación presenta un desafío. Para abordar esta limitación, se exploraron los efectos de diferentes técnicas de interpolación. Como referencia, se utilizó el mapeo logístico, donde se emplearon interpolaciones deterministas:  de </a:t>
                 </a:r>
                 <a:r>
                   <a:rPr lang="es-MX" sz="2400" dirty="0" err="1">
@@ -3894,219 +4004,219 @@
                   <a:rPr lang="es-MX" sz="2400" dirty="0">
                     <a:latin typeface="Calibri" pitchFamily="34" charset="0"/>
                   </a:rPr>
-                  <a:t> y lineales, y estocásticas. El objetivo es convertir una serie de datos discretos a continuos sin alterar significativamente el desempeño del índice J</a:t>
+                  <a:t>  lineales, y estocásticas. El objetivo es construir una serie de datos continuos a partir de los discretos sin alterar el desempeño y significado del índice J. </a:t>
                 </a:r>
-              </a:p>
-              <a:p>
-                <a:pPr algn="just" eaLnBrk="1" hangingPunct="1"/>
+                <a:r>
+                  <a:rPr lang="es-MX" sz="2400" dirty="0">
+                    <a:effectLst/>
+                    <a:ea typeface="Calibri" panose="020F0502020204030204" pitchFamily="34" charset="0"/>
+                    <a:cs typeface="Times New Roman" panose="02020603050405020304" pitchFamily="18" charset="0"/>
+                  </a:rPr>
+                  <a:t>Mapeo logístico: </a:t>
+                </a:r>
                 <a14:m>
-                  <m:oMathPara xmlns:m="http://schemas.openxmlformats.org/officeDocument/2006/math">
-                    <m:oMathParaPr>
-                      <m:jc m:val="centerGroup"/>
-                    </m:oMathParaPr>
-                    <m:oMath xmlns:m="http://schemas.openxmlformats.org/officeDocument/2006/math">
-                      <m:sSub>
-                        <m:sSubPr>
-                          <m:ctrlPr>
-                            <a:rPr lang="es-MX" sz="2400" i="1" smtClean="0">
-                              <a:effectLst/>
-                              <a:latin typeface="Cambria Math" panose="02040503050406030204" pitchFamily="18" charset="0"/>
-                              <a:ea typeface="Calibri" panose="020F0502020204030204" pitchFamily="34" charset="0"/>
-                              <a:cs typeface="Times New Roman" panose="02020603050405020304" pitchFamily="18" charset="0"/>
-                            </a:rPr>
-                          </m:ctrlPr>
-                        </m:sSubPr>
-                        <m:e>
-                          <m:r>
-                            <m:rPr>
-                              <m:sty m:val="p"/>
-                            </m:rPr>
-                            <a:rPr lang="es-MX" sz="2400">
-                              <a:effectLst/>
-                              <a:latin typeface="Cambria Math" panose="02040503050406030204" pitchFamily="18" charset="0"/>
-                              <a:ea typeface="Calibri" panose="020F0502020204030204" pitchFamily="34" charset="0"/>
-                              <a:cs typeface="Times New Roman" panose="02020603050405020304" pitchFamily="18" charset="0"/>
-                            </a:rPr>
-                            <m:t>x</m:t>
-                          </m:r>
-                        </m:e>
-                        <m:sub>
-                          <m:r>
-                            <m:rPr>
-                              <m:sty m:val="p"/>
-                            </m:rPr>
-                            <a:rPr lang="es-MX" sz="2400">
-                              <a:effectLst/>
-                              <a:latin typeface="Cambria Math" panose="02040503050406030204" pitchFamily="18" charset="0"/>
-                              <a:ea typeface="Calibri" panose="020F0502020204030204" pitchFamily="34" charset="0"/>
-                              <a:cs typeface="Times New Roman" panose="02020603050405020304" pitchFamily="18" charset="0"/>
-                            </a:rPr>
-                            <m:t>n</m:t>
-                          </m:r>
-                          <m:r>
-                            <a:rPr lang="es-MX" sz="2400">
-                              <a:effectLst/>
-                              <a:latin typeface="Cambria Math" panose="02040503050406030204" pitchFamily="18" charset="0"/>
-                              <a:ea typeface="Calibri" panose="020F0502020204030204" pitchFamily="34" charset="0"/>
-                              <a:cs typeface="Times New Roman" panose="02020603050405020304" pitchFamily="18" charset="0"/>
-                            </a:rPr>
-                            <m:t>+1</m:t>
-                          </m:r>
-                        </m:sub>
-                      </m:sSub>
-                      <m:r>
-                        <a:rPr lang="es-MX" sz="2400">
-                          <a:effectLst/>
-                          <a:latin typeface="Cambria Math" panose="02040503050406030204" pitchFamily="18" charset="0"/>
-                          <a:ea typeface="Calibri" panose="020F0502020204030204" pitchFamily="34" charset="0"/>
-                          <a:cs typeface="Times New Roman" panose="02020603050405020304" pitchFamily="18" charset="0"/>
-                        </a:rPr>
-                        <m:t>=</m:t>
-                      </m:r>
-                      <m:r>
-                        <m:rPr>
-                          <m:sty m:val="p"/>
-                        </m:rPr>
-                        <a:rPr lang="es-MX" sz="2400">
-                          <a:effectLst/>
-                          <a:latin typeface="Cambria Math" panose="02040503050406030204" pitchFamily="18" charset="0"/>
-                          <a:ea typeface="Calibri" panose="020F0502020204030204" pitchFamily="34" charset="0"/>
-                          <a:cs typeface="Times New Roman" panose="02020603050405020304" pitchFamily="18" charset="0"/>
-                        </a:rPr>
-                        <m:t>r</m:t>
-                      </m:r>
-                      <m:r>
-                        <a:rPr lang="es-MX" sz="2400">
-                          <a:effectLst/>
-                          <a:latin typeface="Cambria Math" panose="02040503050406030204" pitchFamily="18" charset="0"/>
-                          <a:ea typeface="Calibri" panose="020F0502020204030204" pitchFamily="34" charset="0"/>
-                          <a:cs typeface="Times New Roman" panose="02020603050405020304" pitchFamily="18" charset="0"/>
-                        </a:rPr>
-                        <m:t> </m:t>
-                      </m:r>
-                      <m:sSub>
-                        <m:sSubPr>
-                          <m:ctrlPr>
-                            <a:rPr lang="es-MX" sz="2400" i="1">
-                              <a:effectLst/>
-                              <a:latin typeface="Cambria Math" panose="02040503050406030204" pitchFamily="18" charset="0"/>
-                              <a:ea typeface="Calibri" panose="020F0502020204030204" pitchFamily="34" charset="0"/>
-                              <a:cs typeface="Times New Roman" panose="02020603050405020304" pitchFamily="18" charset="0"/>
-                            </a:rPr>
-                          </m:ctrlPr>
-                        </m:sSubPr>
-                        <m:e>
-                          <m:r>
-                            <m:rPr>
-                              <m:sty m:val="p"/>
-                            </m:rPr>
-                            <a:rPr lang="es-MX" sz="2400">
-                              <a:effectLst/>
-                              <a:latin typeface="Cambria Math" panose="02040503050406030204" pitchFamily="18" charset="0"/>
-                              <a:ea typeface="Calibri" panose="020F0502020204030204" pitchFamily="34" charset="0"/>
-                              <a:cs typeface="Times New Roman" panose="02020603050405020304" pitchFamily="18" charset="0"/>
-                            </a:rPr>
-                            <m:t>x</m:t>
-                          </m:r>
-                        </m:e>
-                        <m:sub>
-                          <m:r>
-                            <m:rPr>
-                              <m:sty m:val="p"/>
-                            </m:rPr>
-                            <a:rPr lang="es-MX" sz="2400">
-                              <a:effectLst/>
-                              <a:latin typeface="Cambria Math" panose="02040503050406030204" pitchFamily="18" charset="0"/>
-                              <a:ea typeface="Calibri" panose="020F0502020204030204" pitchFamily="34" charset="0"/>
-                              <a:cs typeface="Times New Roman" panose="02020603050405020304" pitchFamily="18" charset="0"/>
-                            </a:rPr>
-                            <m:t>n</m:t>
-                          </m:r>
-                        </m:sub>
-                      </m:sSub>
-                      <m:r>
-                        <a:rPr lang="es-MX" sz="2400">
-                          <a:effectLst/>
-                          <a:latin typeface="Cambria Math" panose="02040503050406030204" pitchFamily="18" charset="0"/>
-                          <a:ea typeface="Calibri" panose="020F0502020204030204" pitchFamily="34" charset="0"/>
-                          <a:cs typeface="Times New Roman" panose="02020603050405020304" pitchFamily="18" charset="0"/>
-                        </a:rPr>
-                        <m:t> </m:t>
-                      </m:r>
-                      <m:d>
-                        <m:dPr>
-                          <m:ctrlPr>
-                            <a:rPr lang="es-MX" sz="2400" i="1">
-                              <a:effectLst/>
-                              <a:latin typeface="Cambria Math" panose="02040503050406030204" pitchFamily="18" charset="0"/>
-                              <a:ea typeface="Calibri" panose="020F0502020204030204" pitchFamily="34" charset="0"/>
-                              <a:cs typeface="Times New Roman" panose="02020603050405020304" pitchFamily="18" charset="0"/>
-                            </a:rPr>
-                          </m:ctrlPr>
-                        </m:dPr>
-                        <m:e>
-                          <m:r>
-                            <a:rPr lang="es-MX" sz="2400">
-                              <a:effectLst/>
-                              <a:latin typeface="Cambria Math" panose="02040503050406030204" pitchFamily="18" charset="0"/>
-                              <a:ea typeface="Calibri" panose="020F0502020204030204" pitchFamily="34" charset="0"/>
-                              <a:cs typeface="Times New Roman" panose="02020603050405020304" pitchFamily="18" charset="0"/>
-                            </a:rPr>
-                            <m:t>1</m:t>
-                          </m:r>
-                          <m:r>
-                            <a:rPr lang="es-MX" sz="2400" i="1">
-                              <a:effectLst/>
-                              <a:latin typeface="Cambria Math" panose="02040503050406030204" pitchFamily="18" charset="0"/>
-                              <a:ea typeface="Calibri" panose="020F0502020204030204" pitchFamily="34" charset="0"/>
-                              <a:cs typeface="Times New Roman" panose="02020603050405020304" pitchFamily="18" charset="0"/>
-                            </a:rPr>
-                            <m:t>−</m:t>
-                          </m:r>
-                          <m:sSub>
-                            <m:sSubPr>
-                              <m:ctrlPr>
-                                <a:rPr lang="es-MX" sz="2400" i="1">
-                                  <a:effectLst/>
-                                  <a:latin typeface="Cambria Math" panose="02040503050406030204" pitchFamily="18" charset="0"/>
-                                  <a:ea typeface="Calibri" panose="020F0502020204030204" pitchFamily="34" charset="0"/>
-                                  <a:cs typeface="Times New Roman" panose="02020603050405020304" pitchFamily="18" charset="0"/>
-                                </a:rPr>
-                              </m:ctrlPr>
-                            </m:sSubPr>
-                            <m:e>
-                              <m:r>
-                                <m:rPr>
-                                  <m:sty m:val="p"/>
-                                </m:rPr>
-                                <a:rPr lang="es-MX" sz="2400">
-                                  <a:effectLst/>
-                                  <a:latin typeface="Cambria Math" panose="02040503050406030204" pitchFamily="18" charset="0"/>
-                                  <a:ea typeface="Calibri" panose="020F0502020204030204" pitchFamily="34" charset="0"/>
-                                  <a:cs typeface="Times New Roman" panose="02020603050405020304" pitchFamily="18" charset="0"/>
-                                </a:rPr>
-                                <m:t>x</m:t>
-                              </m:r>
-                            </m:e>
-                            <m:sub>
-                              <m:r>
-                                <m:rPr>
-                                  <m:sty m:val="p"/>
-                                </m:rPr>
-                                <a:rPr lang="es-MX" sz="2400">
-                                  <a:effectLst/>
-                                  <a:latin typeface="Cambria Math" panose="02040503050406030204" pitchFamily="18" charset="0"/>
-                                  <a:ea typeface="Calibri" panose="020F0502020204030204" pitchFamily="34" charset="0"/>
-                                  <a:cs typeface="Times New Roman" panose="02020603050405020304" pitchFamily="18" charset="0"/>
-                                </a:rPr>
-                                <m:t>n</m:t>
-                              </m:r>
-                            </m:sub>
-                          </m:sSub>
-                        </m:e>
-                      </m:d>
-                    </m:oMath>
-                  </m:oMathPara>
+                  <m:oMath xmlns:m="http://schemas.openxmlformats.org/officeDocument/2006/math">
+                    <m:sSub>
+                      <m:sSubPr>
+                        <m:ctrlPr>
+                          <a:rPr lang="es-MX" sz="2400" i="1" smtClean="0">
+                            <a:effectLst/>
+                            <a:latin typeface="Cambria Math" panose="02040503050406030204" pitchFamily="18" charset="0"/>
+                            <a:ea typeface="Calibri" panose="020F0502020204030204" pitchFamily="34" charset="0"/>
+                            <a:cs typeface="Times New Roman" panose="02020603050405020304" pitchFamily="18" charset="0"/>
+                          </a:rPr>
+                        </m:ctrlPr>
+                      </m:sSubPr>
+                      <m:e>
+                        <m:r>
+                          <m:rPr>
+                            <m:sty m:val="p"/>
+                          </m:rPr>
+                          <a:rPr lang="es-MX" sz="2400">
+                            <a:effectLst/>
+                            <a:latin typeface="Cambria Math" panose="02040503050406030204" pitchFamily="18" charset="0"/>
+                            <a:ea typeface="Calibri" panose="020F0502020204030204" pitchFamily="34" charset="0"/>
+                            <a:cs typeface="Times New Roman" panose="02020603050405020304" pitchFamily="18" charset="0"/>
+                          </a:rPr>
+                          <m:t>x</m:t>
+                        </m:r>
+                      </m:e>
+                      <m:sub>
+                        <m:r>
+                          <m:rPr>
+                            <m:sty m:val="p"/>
+                          </m:rPr>
+                          <a:rPr lang="es-MX" sz="2400">
+                            <a:effectLst/>
+                            <a:latin typeface="Cambria Math" panose="02040503050406030204" pitchFamily="18" charset="0"/>
+                            <a:ea typeface="Calibri" panose="020F0502020204030204" pitchFamily="34" charset="0"/>
+                            <a:cs typeface="Times New Roman" panose="02020603050405020304" pitchFamily="18" charset="0"/>
+                          </a:rPr>
+                          <m:t>n</m:t>
+                        </m:r>
+                        <m:r>
+                          <a:rPr lang="es-MX" sz="2400">
+                            <a:effectLst/>
+                            <a:latin typeface="Cambria Math" panose="02040503050406030204" pitchFamily="18" charset="0"/>
+                            <a:ea typeface="Calibri" panose="020F0502020204030204" pitchFamily="34" charset="0"/>
+                            <a:cs typeface="Times New Roman" panose="02020603050405020304" pitchFamily="18" charset="0"/>
+                          </a:rPr>
+                          <m:t>+1</m:t>
+                        </m:r>
+                      </m:sub>
+                    </m:sSub>
+                    <m:r>
+                      <a:rPr lang="es-MX" sz="2400">
+                        <a:effectLst/>
+                        <a:latin typeface="Cambria Math" panose="02040503050406030204" pitchFamily="18" charset="0"/>
+                        <a:ea typeface="Calibri" panose="020F0502020204030204" pitchFamily="34" charset="0"/>
+                        <a:cs typeface="Times New Roman" panose="02020603050405020304" pitchFamily="18" charset="0"/>
+                      </a:rPr>
+                      <m:t>=</m:t>
+                    </m:r>
+                    <m:r>
+                      <m:rPr>
+                        <m:sty m:val="p"/>
+                      </m:rPr>
+                      <a:rPr lang="es-MX" sz="2400">
+                        <a:effectLst/>
+                        <a:latin typeface="Cambria Math" panose="02040503050406030204" pitchFamily="18" charset="0"/>
+                        <a:ea typeface="Calibri" panose="020F0502020204030204" pitchFamily="34" charset="0"/>
+                        <a:cs typeface="Times New Roman" panose="02020603050405020304" pitchFamily="18" charset="0"/>
+                      </a:rPr>
+                      <m:t>r</m:t>
+                    </m:r>
+                    <m:r>
+                      <a:rPr lang="es-MX" sz="2400">
+                        <a:effectLst/>
+                        <a:latin typeface="Cambria Math" panose="02040503050406030204" pitchFamily="18" charset="0"/>
+                        <a:ea typeface="Calibri" panose="020F0502020204030204" pitchFamily="34" charset="0"/>
+                        <a:cs typeface="Times New Roman" panose="02020603050405020304" pitchFamily="18" charset="0"/>
+                      </a:rPr>
+                      <m:t> </m:t>
+                    </m:r>
+                    <m:sSub>
+                      <m:sSubPr>
+                        <m:ctrlPr>
+                          <a:rPr lang="es-MX" sz="2400" i="1">
+                            <a:effectLst/>
+                            <a:latin typeface="Cambria Math" panose="02040503050406030204" pitchFamily="18" charset="0"/>
+                            <a:ea typeface="Calibri" panose="020F0502020204030204" pitchFamily="34" charset="0"/>
+                            <a:cs typeface="Times New Roman" panose="02020603050405020304" pitchFamily="18" charset="0"/>
+                          </a:rPr>
+                        </m:ctrlPr>
+                      </m:sSubPr>
+                      <m:e>
+                        <m:r>
+                          <m:rPr>
+                            <m:sty m:val="p"/>
+                          </m:rPr>
+                          <a:rPr lang="es-MX" sz="2400">
+                            <a:effectLst/>
+                            <a:latin typeface="Cambria Math" panose="02040503050406030204" pitchFamily="18" charset="0"/>
+                            <a:ea typeface="Calibri" panose="020F0502020204030204" pitchFamily="34" charset="0"/>
+                            <a:cs typeface="Times New Roman" panose="02020603050405020304" pitchFamily="18" charset="0"/>
+                          </a:rPr>
+                          <m:t>x</m:t>
+                        </m:r>
+                      </m:e>
+                      <m:sub>
+                        <m:r>
+                          <m:rPr>
+                            <m:sty m:val="p"/>
+                          </m:rPr>
+                          <a:rPr lang="es-MX" sz="2400">
+                            <a:effectLst/>
+                            <a:latin typeface="Cambria Math" panose="02040503050406030204" pitchFamily="18" charset="0"/>
+                            <a:ea typeface="Calibri" panose="020F0502020204030204" pitchFamily="34" charset="0"/>
+                            <a:cs typeface="Times New Roman" panose="02020603050405020304" pitchFamily="18" charset="0"/>
+                          </a:rPr>
+                          <m:t>n</m:t>
+                        </m:r>
+                      </m:sub>
+                    </m:sSub>
+                    <m:r>
+                      <a:rPr lang="es-MX" sz="2400" smtClean="0">
+                        <a:effectLst/>
+                        <a:latin typeface="Cambria Math" panose="02040503050406030204" pitchFamily="18" charset="0"/>
+                        <a:ea typeface="Calibri" panose="020F0502020204030204" pitchFamily="34" charset="0"/>
+                        <a:cs typeface="Times New Roman" panose="02020603050405020304" pitchFamily="18" charset="0"/>
+                      </a:rPr>
+                      <m:t> </m:t>
+                    </m:r>
+                    <m:d>
+                      <m:dPr>
+                        <m:ctrlPr>
+                          <a:rPr lang="es-MX" sz="2400" i="1" smtClean="0">
+                            <a:effectLst/>
+                            <a:latin typeface="Cambria Math" panose="02040503050406030204" pitchFamily="18" charset="0"/>
+                            <a:ea typeface="Calibri" panose="020F0502020204030204" pitchFamily="34" charset="0"/>
+                            <a:cs typeface="Times New Roman" panose="02020603050405020304" pitchFamily="18" charset="0"/>
+                          </a:rPr>
+                        </m:ctrlPr>
+                      </m:dPr>
+                      <m:e>
+                        <m:r>
+                          <a:rPr lang="es-MX" sz="2400">
+                            <a:effectLst/>
+                            <a:latin typeface="Cambria Math" panose="02040503050406030204" pitchFamily="18" charset="0"/>
+                            <a:ea typeface="Calibri" panose="020F0502020204030204" pitchFamily="34" charset="0"/>
+                            <a:cs typeface="Times New Roman" panose="02020603050405020304" pitchFamily="18" charset="0"/>
+                          </a:rPr>
+                          <m:t>1</m:t>
+                        </m:r>
+                        <m:r>
+                          <a:rPr lang="es-MX" sz="2400" i="1">
+                            <a:effectLst/>
+                            <a:latin typeface="Cambria Math" panose="02040503050406030204" pitchFamily="18" charset="0"/>
+                            <a:ea typeface="Calibri" panose="020F0502020204030204" pitchFamily="34" charset="0"/>
+                            <a:cs typeface="Times New Roman" panose="02020603050405020304" pitchFamily="18" charset="0"/>
+                          </a:rPr>
+                          <m:t>−</m:t>
+                        </m:r>
+                        <m:sSub>
+                          <m:sSubPr>
+                            <m:ctrlPr>
+                              <a:rPr lang="es-MX" sz="2400" i="1">
+                                <a:effectLst/>
+                                <a:latin typeface="Cambria Math" panose="02040503050406030204" pitchFamily="18" charset="0"/>
+                                <a:ea typeface="Calibri" panose="020F0502020204030204" pitchFamily="34" charset="0"/>
+                                <a:cs typeface="Times New Roman" panose="02020603050405020304" pitchFamily="18" charset="0"/>
+                              </a:rPr>
+                            </m:ctrlPr>
+                          </m:sSubPr>
+                          <m:e>
+                            <m:r>
+                              <m:rPr>
+                                <m:sty m:val="p"/>
+                              </m:rPr>
+                              <a:rPr lang="es-MX" sz="2400">
+                                <a:effectLst/>
+                                <a:latin typeface="Cambria Math" panose="02040503050406030204" pitchFamily="18" charset="0"/>
+                                <a:ea typeface="Calibri" panose="020F0502020204030204" pitchFamily="34" charset="0"/>
+                                <a:cs typeface="Times New Roman" panose="02020603050405020304" pitchFamily="18" charset="0"/>
+                              </a:rPr>
+                              <m:t>x</m:t>
+                            </m:r>
+                          </m:e>
+                          <m:sub>
+                            <m:r>
+                              <m:rPr>
+                                <m:sty m:val="p"/>
+                              </m:rPr>
+                              <a:rPr lang="es-MX" sz="2400">
+                                <a:effectLst/>
+                                <a:latin typeface="Cambria Math" panose="02040503050406030204" pitchFamily="18" charset="0"/>
+                                <a:ea typeface="Calibri" panose="020F0502020204030204" pitchFamily="34" charset="0"/>
+                                <a:cs typeface="Times New Roman" panose="02020603050405020304" pitchFamily="18" charset="0"/>
+                              </a:rPr>
+                              <m:t>n</m:t>
+                            </m:r>
+                          </m:sub>
+                        </m:sSub>
+                      </m:e>
+                    </m:d>
+                  </m:oMath>
                 </a14:m>
                 <a:endParaRPr lang="es-MX" sz="2400" dirty="0">
                   <a:effectLst/>
@@ -4135,14 +4245,14 @@
             </p:nvSpPr>
             <p:spPr bwMode="auto">
               <a:xfrm>
-                <a:off x="1219200" y="17495044"/>
-                <a:ext cx="9428162" cy="3693319"/>
+                <a:off x="1219200" y="18819257"/>
+                <a:ext cx="9428162" cy="3323987"/>
               </a:xfrm>
               <a:prstGeom prst="rect">
                 <a:avLst/>
               </a:prstGeom>
               <a:blipFill>
-                <a:blip r:embed="rId6"/>
+                <a:blip r:embed="rId7"/>
                 <a:stretch>
                   <a:fillRect/>
                 </a:stretch>
@@ -4185,7 +4295,7 @@
         </p:nvSpPr>
         <p:spPr>
           <a:xfrm>
-            <a:off x="1219200" y="16733044"/>
+            <a:off x="1219200" y="18104644"/>
             <a:ext cx="9428162" cy="731520"/>
           </a:xfrm>
           <a:prstGeom prst="rect">
@@ -4254,7 +4364,7 @@
           <p:nvPr/>
         </p:nvPicPr>
         <p:blipFill>
-          <a:blip r:embed="rId7">
+          <a:blip r:embed="rId8">
             <a:extLst>
               <a:ext uri="{28A0092B-C50C-407E-A947-70E740481C1C}">
                 <a14:useLocalDpi xmlns:a14="http://schemas.microsoft.com/office/drawing/2010/main" val="0"/>
@@ -4268,7 +4378,7 @@
         </p:blipFill>
         <p:spPr bwMode="auto">
           <a:xfrm>
-            <a:off x="2722562" y="21313792"/>
+            <a:off x="2722562" y="22228192"/>
             <a:ext cx="6705600" cy="4029852"/>
           </a:xfrm>
           <a:prstGeom prst="rect">
@@ -4293,7 +4403,7 @@
           <p:nvPr/>
         </p:nvPicPr>
         <p:blipFill>
-          <a:blip r:embed="rId8"/>
+          <a:blip r:embed="rId9"/>
           <a:stretch>
             <a:fillRect/>
           </a:stretch>
@@ -4321,7 +4431,7 @@
           <p:nvPr/>
         </p:nvPicPr>
         <p:blipFill>
-          <a:blip r:embed="rId9"/>
+          <a:blip r:embed="rId10"/>
           <a:stretch>
             <a:fillRect/>
           </a:stretch>
@@ -4351,7 +4461,7 @@
         <p:spPr>
           <a:xfrm>
             <a:off x="588962" y="28467844"/>
-            <a:ext cx="20421600" cy="1781400"/>
+            <a:ext cx="20421600" cy="991061"/>
           </a:xfrm>
           <a:prstGeom prst="rect">
             <a:avLst/>
@@ -4403,7 +4513,7 @@
           <p:nvPr/>
         </p:nvPicPr>
         <p:blipFill>
-          <a:blip r:embed="rId10"/>
+          <a:blip r:embed="rId11"/>
           <a:stretch>
             <a:fillRect/>
           </a:stretch>
@@ -4431,7 +4541,7 @@
           <p:nvPr/>
         </p:nvPicPr>
         <p:blipFill>
-          <a:blip r:embed="rId11"/>
+          <a:blip r:embed="rId12"/>
           <a:stretch>
             <a:fillRect/>
           </a:stretch>
@@ -4459,7 +4569,7 @@
           <p:nvPr/>
         </p:nvPicPr>
         <p:blipFill>
-          <a:blip r:embed="rId12"/>
+          <a:blip r:embed="rId13"/>
           <a:stretch>
             <a:fillRect/>
           </a:stretch>
@@ -4487,7 +4597,7 @@
           <p:nvPr/>
         </p:nvPicPr>
         <p:blipFill>
-          <a:blip r:embed="rId13"/>
+          <a:blip r:embed="rId14"/>
           <a:stretch>
             <a:fillRect/>
           </a:stretch>
@@ -4516,7 +4626,7 @@
         </p:nvSpPr>
         <p:spPr>
           <a:xfrm>
-            <a:off x="1219200" y="25343644"/>
+            <a:off x="1219200" y="26288524"/>
             <a:ext cx="9428162" cy="731520"/>
           </a:xfrm>
           <a:prstGeom prst="rect">
@@ -4588,8 +4698,8 @@
         </p:nvSpPr>
         <p:spPr bwMode="auto">
           <a:xfrm>
-            <a:off x="1229040" y="26081593"/>
-            <a:ext cx="9428162" cy="4062651"/>
+            <a:off x="1229040" y="27020044"/>
+            <a:ext cx="9428162" cy="4801314"/>
           </a:xfrm>
           <a:prstGeom prst="rect">
             <a:avLst/>
@@ -4714,7 +4824,7 @@
               <a:rPr lang="es-MX" sz="2400" dirty="0">
                 <a:latin typeface="Calibri" pitchFamily="34" charset="0"/>
               </a:rPr>
-              <a:t>Al interpolar 15 puntos dentro de los datos del mapeo logístico para 3.0 &lt; r &lt; 4.0, los resultados en </a:t>
+              <a:t>Al interpolar 15 puntos entre los datos del mapeo logístico para 3.0 &lt; r &lt; 4.0, los resultados en </a:t>
             </a:r>
             <a:r>
               <a:rPr lang="es-MX" sz="2400" b="1" dirty="0">
@@ -4759,25 +4869,19 @@
               <a:rPr lang="es-MX" sz="2400" dirty="0">
                 <a:latin typeface="Calibri" pitchFamily="34" charset="0"/>
               </a:rPr>
-              <a:t>, las interpolaciones da más casos de piezas musicales por debajo del umbral de la aleatoriedad </a:t>
-            </a:r>
-            <a:r>
-              <a:rPr lang="es-MX" sz="2400" b="1">
-                <a:latin typeface="Calibri" pitchFamily="34" charset="0"/>
-              </a:rPr>
-              <a:t>(6 y 7</a:t>
+              <a:t>, las interpolaciones dan más casos de piezas musicales por debajo del umbral de la aleatoriedad </a:t>
             </a:r>
             <a:r>
               <a:rPr lang="es-MX" sz="2400" b="1" dirty="0">
                 <a:latin typeface="Calibri" pitchFamily="34" charset="0"/>
               </a:rPr>
-              <a:t>)</a:t>
+              <a:t>(6 y 7) </a:t>
             </a:r>
             <a:r>
               <a:rPr lang="es-MX" sz="2400" dirty="0">
                 <a:latin typeface="Calibri" pitchFamily="34" charset="0"/>
               </a:rPr>
-              <a:t>.</a:t>
+              <a:t>en concordancia con resultados previos.</a:t>
             </a:r>
           </a:p>
           <a:p>
@@ -4798,7 +4902,7 @@
               <a:rPr lang="es-MX" sz="2400" dirty="0">
                 <a:latin typeface="Calibri" pitchFamily="34" charset="0"/>
               </a:rPr>
-              <a:t> en regímenes regulares se releja en comportamientos interesantes del índice J.</a:t>
+              <a:t> en regímenes regulares se releja en comportamientos interesantes de la J y sobre la transición  al caos.</a:t>
             </a:r>
           </a:p>
         </p:txBody>
@@ -4853,7 +4957,7 @@
         </p:nvSpPr>
         <p:spPr>
           <a:xfrm>
-            <a:off x="3423376" y="21641356"/>
+            <a:off x="3385505" y="22578453"/>
             <a:ext cx="773825" cy="523220"/>
           </a:xfrm>
           <a:prstGeom prst="rect">
@@ -4888,7 +4992,7 @@
           <p:nvPr/>
         </p:nvPicPr>
         <p:blipFill>
-          <a:blip r:embed="rId14" cstate="print">
+          <a:blip r:embed="rId15" cstate="print">
             <a:extLst>
               <a:ext uri="{28A0092B-C50C-407E-A947-70E740481C1C}">
                 <a14:useLocalDpi xmlns:a14="http://schemas.microsoft.com/office/drawing/2010/main" val="0"/>
